--- a/demo/static/images/analysis.pptx
+++ b/demo/static/images/analysis.pptx
@@ -261,7 +261,7 @@
           <a:p>
             <a:fld id="{D7AA4CDF-8EDB-9849-8A36-AE959414B884}" type="datetimeFigureOut">
               <a:rPr kumimoji="1" lang="zh-TW" altLang="en-US" smtClean="0"/>
-              <a:t>2023/9/12</a:t>
+              <a:t>2023/9/13</a:t>
             </a:fld>
             <a:endParaRPr kumimoji="1" lang="zh-TW" altLang="en-US"/>
           </a:p>
@@ -459,7 +459,7 @@
           <a:p>
             <a:fld id="{D7AA4CDF-8EDB-9849-8A36-AE959414B884}" type="datetimeFigureOut">
               <a:rPr kumimoji="1" lang="zh-TW" altLang="en-US" smtClean="0"/>
-              <a:t>2023/9/12</a:t>
+              <a:t>2023/9/13</a:t>
             </a:fld>
             <a:endParaRPr kumimoji="1" lang="zh-TW" altLang="en-US"/>
           </a:p>
@@ -667,7 +667,7 @@
           <a:p>
             <a:fld id="{D7AA4CDF-8EDB-9849-8A36-AE959414B884}" type="datetimeFigureOut">
               <a:rPr kumimoji="1" lang="zh-TW" altLang="en-US" smtClean="0"/>
-              <a:t>2023/9/12</a:t>
+              <a:t>2023/9/13</a:t>
             </a:fld>
             <a:endParaRPr kumimoji="1" lang="zh-TW" altLang="en-US"/>
           </a:p>
@@ -865,7 +865,7 @@
           <a:p>
             <a:fld id="{D7AA4CDF-8EDB-9849-8A36-AE959414B884}" type="datetimeFigureOut">
               <a:rPr kumimoji="1" lang="zh-TW" altLang="en-US" smtClean="0"/>
-              <a:t>2023/9/12</a:t>
+              <a:t>2023/9/13</a:t>
             </a:fld>
             <a:endParaRPr kumimoji="1" lang="zh-TW" altLang="en-US"/>
           </a:p>
@@ -1140,7 +1140,7 @@
           <a:p>
             <a:fld id="{D7AA4CDF-8EDB-9849-8A36-AE959414B884}" type="datetimeFigureOut">
               <a:rPr kumimoji="1" lang="zh-TW" altLang="en-US" smtClean="0"/>
-              <a:t>2023/9/12</a:t>
+              <a:t>2023/9/13</a:t>
             </a:fld>
             <a:endParaRPr kumimoji="1" lang="zh-TW" altLang="en-US"/>
           </a:p>
@@ -1405,7 +1405,7 @@
           <a:p>
             <a:fld id="{D7AA4CDF-8EDB-9849-8A36-AE959414B884}" type="datetimeFigureOut">
               <a:rPr kumimoji="1" lang="zh-TW" altLang="en-US" smtClean="0"/>
-              <a:t>2023/9/12</a:t>
+              <a:t>2023/9/13</a:t>
             </a:fld>
             <a:endParaRPr kumimoji="1" lang="zh-TW" altLang="en-US"/>
           </a:p>
@@ -1817,7 +1817,7 @@
           <a:p>
             <a:fld id="{D7AA4CDF-8EDB-9849-8A36-AE959414B884}" type="datetimeFigureOut">
               <a:rPr kumimoji="1" lang="zh-TW" altLang="en-US" smtClean="0"/>
-              <a:t>2023/9/12</a:t>
+              <a:t>2023/9/13</a:t>
             </a:fld>
             <a:endParaRPr kumimoji="1" lang="zh-TW" altLang="en-US"/>
           </a:p>
@@ -1958,7 +1958,7 @@
           <a:p>
             <a:fld id="{D7AA4CDF-8EDB-9849-8A36-AE959414B884}" type="datetimeFigureOut">
               <a:rPr kumimoji="1" lang="zh-TW" altLang="en-US" smtClean="0"/>
-              <a:t>2023/9/12</a:t>
+              <a:t>2023/9/13</a:t>
             </a:fld>
             <a:endParaRPr kumimoji="1" lang="zh-TW" altLang="en-US"/>
           </a:p>
@@ -2071,7 +2071,7 @@
           <a:p>
             <a:fld id="{D7AA4CDF-8EDB-9849-8A36-AE959414B884}" type="datetimeFigureOut">
               <a:rPr kumimoji="1" lang="zh-TW" altLang="en-US" smtClean="0"/>
-              <a:t>2023/9/12</a:t>
+              <a:t>2023/9/13</a:t>
             </a:fld>
             <a:endParaRPr kumimoji="1" lang="zh-TW" altLang="en-US"/>
           </a:p>
@@ -2382,7 +2382,7 @@
           <a:p>
             <a:fld id="{D7AA4CDF-8EDB-9849-8A36-AE959414B884}" type="datetimeFigureOut">
               <a:rPr kumimoji="1" lang="zh-TW" altLang="en-US" smtClean="0"/>
-              <a:t>2023/9/12</a:t>
+              <a:t>2023/9/13</a:t>
             </a:fld>
             <a:endParaRPr kumimoji="1" lang="zh-TW" altLang="en-US"/>
           </a:p>
@@ -2670,7 +2670,7 @@
           <a:p>
             <a:fld id="{D7AA4CDF-8EDB-9849-8A36-AE959414B884}" type="datetimeFigureOut">
               <a:rPr kumimoji="1" lang="zh-TW" altLang="en-US" smtClean="0"/>
-              <a:t>2023/9/12</a:t>
+              <a:t>2023/9/13</a:t>
             </a:fld>
             <a:endParaRPr kumimoji="1" lang="zh-TW" altLang="en-US"/>
           </a:p>
@@ -2911,7 +2911,7 @@
           <a:p>
             <a:fld id="{D7AA4CDF-8EDB-9849-8A36-AE959414B884}" type="datetimeFigureOut">
               <a:rPr kumimoji="1" lang="zh-TW" altLang="en-US" smtClean="0"/>
-              <a:t>2023/9/12</a:t>
+              <a:t>2023/9/13</a:t>
             </a:fld>
             <a:endParaRPr kumimoji="1" lang="zh-TW" altLang="en-US"/>
           </a:p>
@@ -3345,8 +3345,8 @@
           <a:chExt cx="0" cy="0"/>
         </a:xfrm>
       </p:grpSpPr>
-      <mc:AlternateContent xmlns:mc="http://schemas.openxmlformats.org/markup-compatibility/2006">
-        <mc:Choice xmlns:a14="http://schemas.microsoft.com/office/drawing/2010/main" Requires="a14">
+      <mc:AlternateContent xmlns:mc="http://schemas.openxmlformats.org/markup-compatibility/2006" xmlns:a14="http://schemas.microsoft.com/office/drawing/2010/main">
+        <mc:Choice Requires="a14">
           <p:sp>
             <p:nvSpPr>
               <p:cNvPr id="4" name="文字方塊 3">
@@ -3677,7 +3677,7 @@
             </p:txBody>
           </p:sp>
         </mc:Choice>
-        <mc:Fallback>
+        <mc:Fallback xmlns="">
           <p:sp>
             <p:nvSpPr>
               <p:cNvPr id="4" name="文字方塊 3">
@@ -3722,8 +3722,8 @@
           </p:sp>
         </mc:Fallback>
       </mc:AlternateContent>
-      <mc:AlternateContent xmlns:mc="http://schemas.openxmlformats.org/markup-compatibility/2006">
-        <mc:Choice xmlns:a14="http://schemas.microsoft.com/office/drawing/2010/main" Requires="a14">
+      <mc:AlternateContent xmlns:mc="http://schemas.openxmlformats.org/markup-compatibility/2006" xmlns:a14="http://schemas.microsoft.com/office/drawing/2010/main">
+        <mc:Choice Requires="a14">
           <p:graphicFrame>
             <p:nvGraphicFramePr>
               <p:cNvPr id="5" name="表格 5">
@@ -4937,7 +4937,7 @@
             </a:graphic>
           </p:graphicFrame>
         </mc:Choice>
-        <mc:Fallback>
+        <mc:Fallback xmlns="">
           <p:graphicFrame>
             <p:nvGraphicFramePr>
               <p:cNvPr id="5" name="表格 5">
@@ -7323,23 +7323,26 @@
                 <a:latin typeface="Yuanti TC" panose="02010600040101010101" pitchFamily="2" charset="-120"/>
                 <a:ea typeface="Yuanti TC" panose="02010600040101010101" pitchFamily="2" charset="-120"/>
               </a:rPr>
-              <a:t> = 21.12	</a:t>
-            </a:r>
-            <a:r>
-              <a:rPr lang="zh-TW" altLang="en-US" sz="2000" b="0" i="0" u="none" strike="noStrike" dirty="0">
+              <a:t> </a:t>
+            </a:r>
+            <a:r>
+              <a:rPr lang="en-US" altLang="zh-TW" sz="2000" b="0" i="0" u="none" strike="noStrike">
                 <a:effectLst/>
                 <a:latin typeface="Yuanti TC" panose="02010600040101010101" pitchFamily="2" charset="-120"/>
                 <a:ea typeface="Yuanti TC" panose="02010600040101010101" pitchFamily="2" charset="-120"/>
               </a:rPr>
-              <a:t>｜</a:t>
-            </a:r>
-            <a:r>
-              <a:rPr lang="en-US" altLang="zh-TW" sz="2000" b="0" i="0" u="none" strike="noStrike" dirty="0">
+              <a:t>= 21.12	           </a:t>
+            </a:r>
+            <a:r>
+              <a:rPr lang="zh-TW" altLang="en-US" sz="2000" b="0" i="0" u="none" strike="noStrike">
+                <a:solidFill>
+                  <a:srgbClr val="C00000"/>
+                </a:solidFill>
                 <a:effectLst/>
                 <a:latin typeface="Yuanti TC" panose="02010600040101010101" pitchFamily="2" charset="-120"/>
                 <a:ea typeface="Yuanti TC" panose="02010600040101010101" pitchFamily="2" charset="-120"/>
               </a:rPr>
-              <a:t>       </a:t>
+              <a:t>紅色</a:t>
             </a:r>
             <a:r>
               <a:rPr lang="zh-TW" altLang="en-US" sz="2000" b="0" i="0" u="none" strike="noStrike" dirty="0">
@@ -7350,7 +7353,7 @@
                 <a:latin typeface="Yuanti TC" panose="02010600040101010101" pitchFamily="2" charset="-120"/>
                 <a:ea typeface="Yuanti TC" panose="02010600040101010101" pitchFamily="2" charset="-120"/>
               </a:rPr>
-              <a:t>紅色治安等級門檻</a:t>
+              <a:t>治安等級門檻</a:t>
             </a:r>
             <a:r>
               <a:rPr lang="en-US" altLang="zh-TW" sz="2000" b="0" i="0" u="none" strike="noStrike" dirty="0">
